--- a/ppt 16-9/0659.属灵之乐.pptx
+++ b/ppt 16-9/0659.属灵之乐.pptx
@@ -129,7 +129,7 @@
           <p:cNvPr id="2" name="标题 1">
             <a:extLst>
               <a:ext uri="{FF2B5EF4-FFF2-40B4-BE49-F238E27FC236}">
-                <a16:creationId xmlns:a16="http://schemas.microsoft.com/office/drawing/2014/main" id="{AD214094-E050-8DF4-9B89-B8C997A8D32C}"/>
+                <a16:creationId xmlns:a16="http://schemas.microsoft.com/office/drawing/2014/main" id="{17DD07F5-973D-87A7-BA9B-AD52891AB139}"/>
               </a:ext>
             </a:extLst>
           </p:cNvPr>
@@ -166,7 +166,7 @@
           <p:cNvPr id="3" name="副标题 2">
             <a:extLst>
               <a:ext uri="{FF2B5EF4-FFF2-40B4-BE49-F238E27FC236}">
-                <a16:creationId xmlns:a16="http://schemas.microsoft.com/office/drawing/2014/main" id="{5CA0CEE4-83C0-9638-E5CD-47D79FE58F47}"/>
+                <a16:creationId xmlns:a16="http://schemas.microsoft.com/office/drawing/2014/main" id="{B07BFDC3-9918-3F31-C1BE-EF7014075972}"/>
               </a:ext>
             </a:extLst>
           </p:cNvPr>
@@ -236,7 +236,7 @@
           <p:cNvPr id="4" name="日期占位符 3">
             <a:extLst>
               <a:ext uri="{FF2B5EF4-FFF2-40B4-BE49-F238E27FC236}">
-                <a16:creationId xmlns:a16="http://schemas.microsoft.com/office/drawing/2014/main" id="{8D44CF6F-7B2B-6B09-ADB0-7D55678069F1}"/>
+                <a16:creationId xmlns:a16="http://schemas.microsoft.com/office/drawing/2014/main" id="{8E3D8070-AEA0-B15C-8645-59FA48D276B7}"/>
               </a:ext>
             </a:extLst>
           </p:cNvPr>
@@ -252,7 +252,7 @@
           <a:bodyPr/>
           <a:lstStyle/>
           <a:p>
-            <a:fld id="{0A876597-E94D-4CCB-9680-6CB598E24AC3}" type="datetimeFigureOut">
+            <a:fld id="{980DD71E-F2F2-4805-8AD3-EF99EBAF539F}" type="datetimeFigureOut">
               <a:rPr lang="zh-CN" altLang="en-US" smtClean="0"/>
               <a:t>2024/3/10</a:t>
             </a:fld>
@@ -265,7 +265,7 @@
           <p:cNvPr id="5" name="页脚占位符 4">
             <a:extLst>
               <a:ext uri="{FF2B5EF4-FFF2-40B4-BE49-F238E27FC236}">
-                <a16:creationId xmlns:a16="http://schemas.microsoft.com/office/drawing/2014/main" id="{12251117-1DE1-A5E3-CDF2-53A31627B4C8}"/>
+                <a16:creationId xmlns:a16="http://schemas.microsoft.com/office/drawing/2014/main" id="{15B4A349-1668-9543-D15F-1A7A9329CD8E}"/>
               </a:ext>
             </a:extLst>
           </p:cNvPr>
@@ -290,7 +290,7 @@
           <p:cNvPr id="6" name="灯片编号占位符 5">
             <a:extLst>
               <a:ext uri="{FF2B5EF4-FFF2-40B4-BE49-F238E27FC236}">
-                <a16:creationId xmlns:a16="http://schemas.microsoft.com/office/drawing/2014/main" id="{720492A3-4117-9E56-439B-563A93E9A471}"/>
+                <a16:creationId xmlns:a16="http://schemas.microsoft.com/office/drawing/2014/main" id="{0D5136F0-AD6A-5FFD-0F35-5AA14A88016F}"/>
               </a:ext>
             </a:extLst>
           </p:cNvPr>
@@ -306,7 +306,7 @@
           <a:bodyPr/>
           <a:lstStyle/>
           <a:p>
-            <a:fld id="{5EA7AFD6-029E-4769-A58E-6FD44381416C}" type="slidenum">
+            <a:fld id="{E5CF9438-6D74-4320-A240-32339107121C}" type="slidenum">
               <a:rPr lang="zh-CN" altLang="en-US" smtClean="0"/>
               <a:t>‹#›</a:t>
             </a:fld>
@@ -317,7 +317,7 @@
     </p:spTree>
     <p:extLst>
       <p:ext uri="{BB962C8B-B14F-4D97-AF65-F5344CB8AC3E}">
-        <p14:creationId xmlns:p14="http://schemas.microsoft.com/office/powerpoint/2010/main" val="926744494"/>
+        <p14:creationId xmlns:p14="http://schemas.microsoft.com/office/powerpoint/2010/main" val="4105492806"/>
       </p:ext>
     </p:extLst>
   </p:cSld>
@@ -349,7 +349,7 @@
           <p:cNvPr id="2" name="标题 1">
             <a:extLst>
               <a:ext uri="{FF2B5EF4-FFF2-40B4-BE49-F238E27FC236}">
-                <a16:creationId xmlns:a16="http://schemas.microsoft.com/office/drawing/2014/main" id="{26C72A3F-0E3B-1702-7F4A-6A0DC2D16709}"/>
+                <a16:creationId xmlns:a16="http://schemas.microsoft.com/office/drawing/2014/main" id="{5655345C-7701-266C-FCD9-DEA3AB3BC439}"/>
               </a:ext>
             </a:extLst>
           </p:cNvPr>
@@ -377,7 +377,7 @@
           <p:cNvPr id="3" name="竖排文字占位符 2">
             <a:extLst>
               <a:ext uri="{FF2B5EF4-FFF2-40B4-BE49-F238E27FC236}">
-                <a16:creationId xmlns:a16="http://schemas.microsoft.com/office/drawing/2014/main" id="{F3FDB45C-E179-C0A8-D71B-AE2C6D109121}"/>
+                <a16:creationId xmlns:a16="http://schemas.microsoft.com/office/drawing/2014/main" id="{FBEA3F94-9441-1FB7-E386-B8DFF62A5BFE}"/>
               </a:ext>
             </a:extLst>
           </p:cNvPr>
@@ -434,7 +434,7 @@
           <p:cNvPr id="4" name="日期占位符 3">
             <a:extLst>
               <a:ext uri="{FF2B5EF4-FFF2-40B4-BE49-F238E27FC236}">
-                <a16:creationId xmlns:a16="http://schemas.microsoft.com/office/drawing/2014/main" id="{7111308C-0083-3AFB-8531-789AE8CFE4DE}"/>
+                <a16:creationId xmlns:a16="http://schemas.microsoft.com/office/drawing/2014/main" id="{DA6F84DE-541F-5852-3CD7-34E980713461}"/>
               </a:ext>
             </a:extLst>
           </p:cNvPr>
@@ -450,7 +450,7 @@
           <a:bodyPr/>
           <a:lstStyle/>
           <a:p>
-            <a:fld id="{0A876597-E94D-4CCB-9680-6CB598E24AC3}" type="datetimeFigureOut">
+            <a:fld id="{980DD71E-F2F2-4805-8AD3-EF99EBAF539F}" type="datetimeFigureOut">
               <a:rPr lang="zh-CN" altLang="en-US" smtClean="0"/>
               <a:t>2024/3/10</a:t>
             </a:fld>
@@ -463,7 +463,7 @@
           <p:cNvPr id="5" name="页脚占位符 4">
             <a:extLst>
               <a:ext uri="{FF2B5EF4-FFF2-40B4-BE49-F238E27FC236}">
-                <a16:creationId xmlns:a16="http://schemas.microsoft.com/office/drawing/2014/main" id="{960A6341-81BA-5F38-D8D3-408012EC04A5}"/>
+                <a16:creationId xmlns:a16="http://schemas.microsoft.com/office/drawing/2014/main" id="{13DD1BCF-7341-97BE-9816-B393D6C57864}"/>
               </a:ext>
             </a:extLst>
           </p:cNvPr>
@@ -488,7 +488,7 @@
           <p:cNvPr id="6" name="灯片编号占位符 5">
             <a:extLst>
               <a:ext uri="{FF2B5EF4-FFF2-40B4-BE49-F238E27FC236}">
-                <a16:creationId xmlns:a16="http://schemas.microsoft.com/office/drawing/2014/main" id="{D26BA51B-60BE-D88E-53DB-4CC18520D1FE}"/>
+                <a16:creationId xmlns:a16="http://schemas.microsoft.com/office/drawing/2014/main" id="{8BA1D7A6-150F-3C68-4B46-51C732F78A74}"/>
               </a:ext>
             </a:extLst>
           </p:cNvPr>
@@ -504,7 +504,7 @@
           <a:bodyPr/>
           <a:lstStyle/>
           <a:p>
-            <a:fld id="{5EA7AFD6-029E-4769-A58E-6FD44381416C}" type="slidenum">
+            <a:fld id="{E5CF9438-6D74-4320-A240-32339107121C}" type="slidenum">
               <a:rPr lang="zh-CN" altLang="en-US" smtClean="0"/>
               <a:t>‹#›</a:t>
             </a:fld>
@@ -515,7 +515,7 @@
     </p:spTree>
     <p:extLst>
       <p:ext uri="{BB962C8B-B14F-4D97-AF65-F5344CB8AC3E}">
-        <p14:creationId xmlns:p14="http://schemas.microsoft.com/office/powerpoint/2010/main" val="3696536375"/>
+        <p14:creationId xmlns:p14="http://schemas.microsoft.com/office/powerpoint/2010/main" val="3046594367"/>
       </p:ext>
     </p:extLst>
   </p:cSld>
@@ -547,7 +547,7 @@
           <p:cNvPr id="2" name="竖排标题 1">
             <a:extLst>
               <a:ext uri="{FF2B5EF4-FFF2-40B4-BE49-F238E27FC236}">
-                <a16:creationId xmlns:a16="http://schemas.microsoft.com/office/drawing/2014/main" id="{44E0CA29-F90A-A969-8E41-843F6F836CDB}"/>
+                <a16:creationId xmlns:a16="http://schemas.microsoft.com/office/drawing/2014/main" id="{970EE7CA-63B2-5224-AB7D-E68C6C3149FB}"/>
               </a:ext>
             </a:extLst>
           </p:cNvPr>
@@ -580,7 +580,7 @@
           <p:cNvPr id="3" name="竖排文字占位符 2">
             <a:extLst>
               <a:ext uri="{FF2B5EF4-FFF2-40B4-BE49-F238E27FC236}">
-                <a16:creationId xmlns:a16="http://schemas.microsoft.com/office/drawing/2014/main" id="{104FB6A2-5F25-6AB7-EDE3-524B58FC3AFD}"/>
+                <a16:creationId xmlns:a16="http://schemas.microsoft.com/office/drawing/2014/main" id="{BA41E9EA-6761-7F24-CBA3-77E6217E3ED6}"/>
               </a:ext>
             </a:extLst>
           </p:cNvPr>
@@ -642,7 +642,7 @@
           <p:cNvPr id="4" name="日期占位符 3">
             <a:extLst>
               <a:ext uri="{FF2B5EF4-FFF2-40B4-BE49-F238E27FC236}">
-                <a16:creationId xmlns:a16="http://schemas.microsoft.com/office/drawing/2014/main" id="{2549B9E4-1AA8-B41F-2549-7D29F5D6F631}"/>
+                <a16:creationId xmlns:a16="http://schemas.microsoft.com/office/drawing/2014/main" id="{46519333-3CFC-ECF7-05A9-255EA65F5EDF}"/>
               </a:ext>
             </a:extLst>
           </p:cNvPr>
@@ -658,7 +658,7 @@
           <a:bodyPr/>
           <a:lstStyle/>
           <a:p>
-            <a:fld id="{0A876597-E94D-4CCB-9680-6CB598E24AC3}" type="datetimeFigureOut">
+            <a:fld id="{980DD71E-F2F2-4805-8AD3-EF99EBAF539F}" type="datetimeFigureOut">
               <a:rPr lang="zh-CN" altLang="en-US" smtClean="0"/>
               <a:t>2024/3/10</a:t>
             </a:fld>
@@ -671,7 +671,7 @@
           <p:cNvPr id="5" name="页脚占位符 4">
             <a:extLst>
               <a:ext uri="{FF2B5EF4-FFF2-40B4-BE49-F238E27FC236}">
-                <a16:creationId xmlns:a16="http://schemas.microsoft.com/office/drawing/2014/main" id="{3B095F4F-108A-E7D2-6619-936BB5D46546}"/>
+                <a16:creationId xmlns:a16="http://schemas.microsoft.com/office/drawing/2014/main" id="{042266D3-E4C0-C3CA-AB1D-45DCBAE5273B}"/>
               </a:ext>
             </a:extLst>
           </p:cNvPr>
@@ -696,7 +696,7 @@
           <p:cNvPr id="6" name="灯片编号占位符 5">
             <a:extLst>
               <a:ext uri="{FF2B5EF4-FFF2-40B4-BE49-F238E27FC236}">
-                <a16:creationId xmlns:a16="http://schemas.microsoft.com/office/drawing/2014/main" id="{088A7E13-9514-B9C6-E943-0B486A2EFC2A}"/>
+                <a16:creationId xmlns:a16="http://schemas.microsoft.com/office/drawing/2014/main" id="{1B17A26A-5546-A84A-BE04-0543B185B4E3}"/>
               </a:ext>
             </a:extLst>
           </p:cNvPr>
@@ -712,7 +712,7 @@
           <a:bodyPr/>
           <a:lstStyle/>
           <a:p>
-            <a:fld id="{5EA7AFD6-029E-4769-A58E-6FD44381416C}" type="slidenum">
+            <a:fld id="{E5CF9438-6D74-4320-A240-32339107121C}" type="slidenum">
               <a:rPr lang="zh-CN" altLang="en-US" smtClean="0"/>
               <a:t>‹#›</a:t>
             </a:fld>
@@ -723,7 +723,7 @@
     </p:spTree>
     <p:extLst>
       <p:ext uri="{BB962C8B-B14F-4D97-AF65-F5344CB8AC3E}">
-        <p14:creationId xmlns:p14="http://schemas.microsoft.com/office/powerpoint/2010/main" val="301379920"/>
+        <p14:creationId xmlns:p14="http://schemas.microsoft.com/office/powerpoint/2010/main" val="2193113536"/>
       </p:ext>
     </p:extLst>
   </p:cSld>
@@ -755,7 +755,7 @@
           <p:cNvPr id="2" name="标题 1">
             <a:extLst>
               <a:ext uri="{FF2B5EF4-FFF2-40B4-BE49-F238E27FC236}">
-                <a16:creationId xmlns:a16="http://schemas.microsoft.com/office/drawing/2014/main" id="{ABFA655B-20BA-A7E5-6C71-82F94B9CDD79}"/>
+                <a16:creationId xmlns:a16="http://schemas.microsoft.com/office/drawing/2014/main" id="{18D4C84D-3A36-F1A4-7F6C-AF0FF63AA2C9}"/>
               </a:ext>
             </a:extLst>
           </p:cNvPr>
@@ -783,7 +783,7 @@
           <p:cNvPr id="3" name="内容占位符 2">
             <a:extLst>
               <a:ext uri="{FF2B5EF4-FFF2-40B4-BE49-F238E27FC236}">
-                <a16:creationId xmlns:a16="http://schemas.microsoft.com/office/drawing/2014/main" id="{6D2C1990-3823-FB79-307E-439BCC6B27FB}"/>
+                <a16:creationId xmlns:a16="http://schemas.microsoft.com/office/drawing/2014/main" id="{522C79B4-8A62-A4F3-097D-3C9ED809C463}"/>
               </a:ext>
             </a:extLst>
           </p:cNvPr>
@@ -840,7 +840,7 @@
           <p:cNvPr id="4" name="日期占位符 3">
             <a:extLst>
               <a:ext uri="{FF2B5EF4-FFF2-40B4-BE49-F238E27FC236}">
-                <a16:creationId xmlns:a16="http://schemas.microsoft.com/office/drawing/2014/main" id="{58B7A1FE-92C1-1EF5-275D-38B593286325}"/>
+                <a16:creationId xmlns:a16="http://schemas.microsoft.com/office/drawing/2014/main" id="{BE9F99D1-0717-BCB6-C3C6-AA2921D0258A}"/>
               </a:ext>
             </a:extLst>
           </p:cNvPr>
@@ -856,7 +856,7 @@
           <a:bodyPr/>
           <a:lstStyle/>
           <a:p>
-            <a:fld id="{0A876597-E94D-4CCB-9680-6CB598E24AC3}" type="datetimeFigureOut">
+            <a:fld id="{980DD71E-F2F2-4805-8AD3-EF99EBAF539F}" type="datetimeFigureOut">
               <a:rPr lang="zh-CN" altLang="en-US" smtClean="0"/>
               <a:t>2024/3/10</a:t>
             </a:fld>
@@ -869,7 +869,7 @@
           <p:cNvPr id="5" name="页脚占位符 4">
             <a:extLst>
               <a:ext uri="{FF2B5EF4-FFF2-40B4-BE49-F238E27FC236}">
-                <a16:creationId xmlns:a16="http://schemas.microsoft.com/office/drawing/2014/main" id="{62FDA7EE-A64C-4C6A-CE95-E5196B478C46}"/>
+                <a16:creationId xmlns:a16="http://schemas.microsoft.com/office/drawing/2014/main" id="{60803A77-BF6B-58EF-9FD4-848F87B13643}"/>
               </a:ext>
             </a:extLst>
           </p:cNvPr>
@@ -894,7 +894,7 @@
           <p:cNvPr id="6" name="灯片编号占位符 5">
             <a:extLst>
               <a:ext uri="{FF2B5EF4-FFF2-40B4-BE49-F238E27FC236}">
-                <a16:creationId xmlns:a16="http://schemas.microsoft.com/office/drawing/2014/main" id="{9E023C61-3292-BB38-9C4F-1DDD3CC0AC26}"/>
+                <a16:creationId xmlns:a16="http://schemas.microsoft.com/office/drawing/2014/main" id="{E10B363B-2661-6E5E-2D24-7363A10566FA}"/>
               </a:ext>
             </a:extLst>
           </p:cNvPr>
@@ -910,7 +910,7 @@
           <a:bodyPr/>
           <a:lstStyle/>
           <a:p>
-            <a:fld id="{5EA7AFD6-029E-4769-A58E-6FD44381416C}" type="slidenum">
+            <a:fld id="{E5CF9438-6D74-4320-A240-32339107121C}" type="slidenum">
               <a:rPr lang="zh-CN" altLang="en-US" smtClean="0"/>
               <a:t>‹#›</a:t>
             </a:fld>
@@ -921,7 +921,7 @@
     </p:spTree>
     <p:extLst>
       <p:ext uri="{BB962C8B-B14F-4D97-AF65-F5344CB8AC3E}">
-        <p14:creationId xmlns:p14="http://schemas.microsoft.com/office/powerpoint/2010/main" val="3371903735"/>
+        <p14:creationId xmlns:p14="http://schemas.microsoft.com/office/powerpoint/2010/main" val="3896083119"/>
       </p:ext>
     </p:extLst>
   </p:cSld>
@@ -953,7 +953,7 @@
           <p:cNvPr id="2" name="标题 1">
             <a:extLst>
               <a:ext uri="{FF2B5EF4-FFF2-40B4-BE49-F238E27FC236}">
-                <a16:creationId xmlns:a16="http://schemas.microsoft.com/office/drawing/2014/main" id="{E5EFD3BE-53DC-2200-2B53-4C922172BA2C}"/>
+                <a16:creationId xmlns:a16="http://schemas.microsoft.com/office/drawing/2014/main" id="{9C80CD6B-F8F9-D616-D7FB-96FE05A5BB2C}"/>
               </a:ext>
             </a:extLst>
           </p:cNvPr>
@@ -990,7 +990,7 @@
           <p:cNvPr id="3" name="文本占位符 2">
             <a:extLst>
               <a:ext uri="{FF2B5EF4-FFF2-40B4-BE49-F238E27FC236}">
-                <a16:creationId xmlns:a16="http://schemas.microsoft.com/office/drawing/2014/main" id="{CA8BD1C9-5EE8-34DB-27A9-6ABB466F1DED}"/>
+                <a16:creationId xmlns:a16="http://schemas.microsoft.com/office/drawing/2014/main" id="{18DB5BDC-F8ED-AAAD-C527-2D28A8933E4F}"/>
               </a:ext>
             </a:extLst>
           </p:cNvPr>
@@ -1115,7 +1115,7 @@
           <p:cNvPr id="4" name="日期占位符 3">
             <a:extLst>
               <a:ext uri="{FF2B5EF4-FFF2-40B4-BE49-F238E27FC236}">
-                <a16:creationId xmlns:a16="http://schemas.microsoft.com/office/drawing/2014/main" id="{47B89CD4-6B59-18D1-FD00-F387E9B3BADE}"/>
+                <a16:creationId xmlns:a16="http://schemas.microsoft.com/office/drawing/2014/main" id="{A7EAE87D-1002-D114-C7B3-352567731801}"/>
               </a:ext>
             </a:extLst>
           </p:cNvPr>
@@ -1131,7 +1131,7 @@
           <a:bodyPr/>
           <a:lstStyle/>
           <a:p>
-            <a:fld id="{0A876597-E94D-4CCB-9680-6CB598E24AC3}" type="datetimeFigureOut">
+            <a:fld id="{980DD71E-F2F2-4805-8AD3-EF99EBAF539F}" type="datetimeFigureOut">
               <a:rPr lang="zh-CN" altLang="en-US" smtClean="0"/>
               <a:t>2024/3/10</a:t>
             </a:fld>
@@ -1144,7 +1144,7 @@
           <p:cNvPr id="5" name="页脚占位符 4">
             <a:extLst>
               <a:ext uri="{FF2B5EF4-FFF2-40B4-BE49-F238E27FC236}">
-                <a16:creationId xmlns:a16="http://schemas.microsoft.com/office/drawing/2014/main" id="{A5F52EAC-B5BC-E492-AD06-55EADB886E30}"/>
+                <a16:creationId xmlns:a16="http://schemas.microsoft.com/office/drawing/2014/main" id="{60D102AD-61F2-CC91-D497-EA81DCA44868}"/>
               </a:ext>
             </a:extLst>
           </p:cNvPr>
@@ -1169,7 +1169,7 @@
           <p:cNvPr id="6" name="灯片编号占位符 5">
             <a:extLst>
               <a:ext uri="{FF2B5EF4-FFF2-40B4-BE49-F238E27FC236}">
-                <a16:creationId xmlns:a16="http://schemas.microsoft.com/office/drawing/2014/main" id="{3C86F9F6-E527-8FE6-8A90-441116B6245F}"/>
+                <a16:creationId xmlns:a16="http://schemas.microsoft.com/office/drawing/2014/main" id="{AA5A8D5D-B4B6-DE6E-F6F1-311226CA0649}"/>
               </a:ext>
             </a:extLst>
           </p:cNvPr>
@@ -1185,7 +1185,7 @@
           <a:bodyPr/>
           <a:lstStyle/>
           <a:p>
-            <a:fld id="{5EA7AFD6-029E-4769-A58E-6FD44381416C}" type="slidenum">
+            <a:fld id="{E5CF9438-6D74-4320-A240-32339107121C}" type="slidenum">
               <a:rPr lang="zh-CN" altLang="en-US" smtClean="0"/>
               <a:t>‹#›</a:t>
             </a:fld>
@@ -1196,7 +1196,7 @@
     </p:spTree>
     <p:extLst>
       <p:ext uri="{BB962C8B-B14F-4D97-AF65-F5344CB8AC3E}">
-        <p14:creationId xmlns:p14="http://schemas.microsoft.com/office/powerpoint/2010/main" val="2032388048"/>
+        <p14:creationId xmlns:p14="http://schemas.microsoft.com/office/powerpoint/2010/main" val="1824756026"/>
       </p:ext>
     </p:extLst>
   </p:cSld>
@@ -1228,7 +1228,7 @@
           <p:cNvPr id="2" name="标题 1">
             <a:extLst>
               <a:ext uri="{FF2B5EF4-FFF2-40B4-BE49-F238E27FC236}">
-                <a16:creationId xmlns:a16="http://schemas.microsoft.com/office/drawing/2014/main" id="{4C49F9AD-9A27-0B13-C3DA-9E7849DA549A}"/>
+                <a16:creationId xmlns:a16="http://schemas.microsoft.com/office/drawing/2014/main" id="{592B0A48-080C-C120-69B1-D6867E8D3656}"/>
               </a:ext>
             </a:extLst>
           </p:cNvPr>
@@ -1256,7 +1256,7 @@
           <p:cNvPr id="3" name="内容占位符 2">
             <a:extLst>
               <a:ext uri="{FF2B5EF4-FFF2-40B4-BE49-F238E27FC236}">
-                <a16:creationId xmlns:a16="http://schemas.microsoft.com/office/drawing/2014/main" id="{A82E437A-C27E-2955-115A-23ECF5091A93}"/>
+                <a16:creationId xmlns:a16="http://schemas.microsoft.com/office/drawing/2014/main" id="{77CBCA6D-8EFD-41E8-7919-5B8307F46246}"/>
               </a:ext>
             </a:extLst>
           </p:cNvPr>
@@ -1318,7 +1318,7 @@
           <p:cNvPr id="4" name="内容占位符 3">
             <a:extLst>
               <a:ext uri="{FF2B5EF4-FFF2-40B4-BE49-F238E27FC236}">
-                <a16:creationId xmlns:a16="http://schemas.microsoft.com/office/drawing/2014/main" id="{7781FBDD-F4E5-D963-402A-A8DECED5A270}"/>
+                <a16:creationId xmlns:a16="http://schemas.microsoft.com/office/drawing/2014/main" id="{DC7A071F-960D-C51F-175E-4B3201B5849A}"/>
               </a:ext>
             </a:extLst>
           </p:cNvPr>
@@ -1380,7 +1380,7 @@
           <p:cNvPr id="5" name="日期占位符 4">
             <a:extLst>
               <a:ext uri="{FF2B5EF4-FFF2-40B4-BE49-F238E27FC236}">
-                <a16:creationId xmlns:a16="http://schemas.microsoft.com/office/drawing/2014/main" id="{A58ACF36-A319-AF37-D7BF-4DCB4C847368}"/>
+                <a16:creationId xmlns:a16="http://schemas.microsoft.com/office/drawing/2014/main" id="{4CCC4D2F-0DEB-C2EE-49CD-0B25A1CB5D4F}"/>
               </a:ext>
             </a:extLst>
           </p:cNvPr>
@@ -1396,7 +1396,7 @@
           <a:bodyPr/>
           <a:lstStyle/>
           <a:p>
-            <a:fld id="{0A876597-E94D-4CCB-9680-6CB598E24AC3}" type="datetimeFigureOut">
+            <a:fld id="{980DD71E-F2F2-4805-8AD3-EF99EBAF539F}" type="datetimeFigureOut">
               <a:rPr lang="zh-CN" altLang="en-US" smtClean="0"/>
               <a:t>2024/3/10</a:t>
             </a:fld>
@@ -1409,7 +1409,7 @@
           <p:cNvPr id="6" name="页脚占位符 5">
             <a:extLst>
               <a:ext uri="{FF2B5EF4-FFF2-40B4-BE49-F238E27FC236}">
-                <a16:creationId xmlns:a16="http://schemas.microsoft.com/office/drawing/2014/main" id="{1C2633FB-1018-5131-432B-6B6074286029}"/>
+                <a16:creationId xmlns:a16="http://schemas.microsoft.com/office/drawing/2014/main" id="{54454DE3-F225-FA4B-7B12-B7929ED6CE07}"/>
               </a:ext>
             </a:extLst>
           </p:cNvPr>
@@ -1434,7 +1434,7 @@
           <p:cNvPr id="7" name="灯片编号占位符 6">
             <a:extLst>
               <a:ext uri="{FF2B5EF4-FFF2-40B4-BE49-F238E27FC236}">
-                <a16:creationId xmlns:a16="http://schemas.microsoft.com/office/drawing/2014/main" id="{4107B386-8588-C376-BDD7-7D48ACBC0114}"/>
+                <a16:creationId xmlns:a16="http://schemas.microsoft.com/office/drawing/2014/main" id="{F9E071A2-7DC6-20E3-65CC-6B44FBFA8C15}"/>
               </a:ext>
             </a:extLst>
           </p:cNvPr>
@@ -1450,7 +1450,7 @@
           <a:bodyPr/>
           <a:lstStyle/>
           <a:p>
-            <a:fld id="{5EA7AFD6-029E-4769-A58E-6FD44381416C}" type="slidenum">
+            <a:fld id="{E5CF9438-6D74-4320-A240-32339107121C}" type="slidenum">
               <a:rPr lang="zh-CN" altLang="en-US" smtClean="0"/>
               <a:t>‹#›</a:t>
             </a:fld>
@@ -1461,7 +1461,7 @@
     </p:spTree>
     <p:extLst>
       <p:ext uri="{BB962C8B-B14F-4D97-AF65-F5344CB8AC3E}">
-        <p14:creationId xmlns:p14="http://schemas.microsoft.com/office/powerpoint/2010/main" val="1382770384"/>
+        <p14:creationId xmlns:p14="http://schemas.microsoft.com/office/powerpoint/2010/main" val="2302274148"/>
       </p:ext>
     </p:extLst>
   </p:cSld>
@@ -1493,7 +1493,7 @@
           <p:cNvPr id="2" name="标题 1">
             <a:extLst>
               <a:ext uri="{FF2B5EF4-FFF2-40B4-BE49-F238E27FC236}">
-                <a16:creationId xmlns:a16="http://schemas.microsoft.com/office/drawing/2014/main" id="{0C340151-8143-218A-0017-DBC116AEF654}"/>
+                <a16:creationId xmlns:a16="http://schemas.microsoft.com/office/drawing/2014/main" id="{3C8CD75B-5557-0B3A-BC21-93A3734D8C82}"/>
               </a:ext>
             </a:extLst>
           </p:cNvPr>
@@ -1526,7 +1526,7 @@
           <p:cNvPr id="3" name="文本占位符 2">
             <a:extLst>
               <a:ext uri="{FF2B5EF4-FFF2-40B4-BE49-F238E27FC236}">
-                <a16:creationId xmlns:a16="http://schemas.microsoft.com/office/drawing/2014/main" id="{4F9A051C-4951-CCF6-D48F-913392B4DC90}"/>
+                <a16:creationId xmlns:a16="http://schemas.microsoft.com/office/drawing/2014/main" id="{2A306F33-8318-3FA0-F73A-3587EF6EF3FD}"/>
               </a:ext>
             </a:extLst>
           </p:cNvPr>
@@ -1597,7 +1597,7 @@
           <p:cNvPr id="4" name="内容占位符 3">
             <a:extLst>
               <a:ext uri="{FF2B5EF4-FFF2-40B4-BE49-F238E27FC236}">
-                <a16:creationId xmlns:a16="http://schemas.microsoft.com/office/drawing/2014/main" id="{DC92B6FE-4A0F-BA2E-3F15-453D89F51737}"/>
+                <a16:creationId xmlns:a16="http://schemas.microsoft.com/office/drawing/2014/main" id="{6DFF6857-52B4-D314-F130-4CC60C00F7F5}"/>
               </a:ext>
             </a:extLst>
           </p:cNvPr>
@@ -1659,7 +1659,7 @@
           <p:cNvPr id="5" name="文本占位符 4">
             <a:extLst>
               <a:ext uri="{FF2B5EF4-FFF2-40B4-BE49-F238E27FC236}">
-                <a16:creationId xmlns:a16="http://schemas.microsoft.com/office/drawing/2014/main" id="{26EF98B7-74CC-5801-DBED-61D6F48DF824}"/>
+                <a16:creationId xmlns:a16="http://schemas.microsoft.com/office/drawing/2014/main" id="{48CF1581-CDEC-A03D-25D1-A4DAB9841ADB}"/>
               </a:ext>
             </a:extLst>
           </p:cNvPr>
@@ -1730,7 +1730,7 @@
           <p:cNvPr id="6" name="内容占位符 5">
             <a:extLst>
               <a:ext uri="{FF2B5EF4-FFF2-40B4-BE49-F238E27FC236}">
-                <a16:creationId xmlns:a16="http://schemas.microsoft.com/office/drawing/2014/main" id="{8F5C8D3C-7C46-F49E-8323-2970075D76C1}"/>
+                <a16:creationId xmlns:a16="http://schemas.microsoft.com/office/drawing/2014/main" id="{5F701015-194A-B0F3-D1B1-3F01F71A5A11}"/>
               </a:ext>
             </a:extLst>
           </p:cNvPr>
@@ -1792,7 +1792,7 @@
           <p:cNvPr id="7" name="日期占位符 6">
             <a:extLst>
               <a:ext uri="{FF2B5EF4-FFF2-40B4-BE49-F238E27FC236}">
-                <a16:creationId xmlns:a16="http://schemas.microsoft.com/office/drawing/2014/main" id="{4DF00059-B2EF-F303-AD07-4907D35BAAEB}"/>
+                <a16:creationId xmlns:a16="http://schemas.microsoft.com/office/drawing/2014/main" id="{55A01CCB-54EB-7BDE-ADDA-C42CA9B1571A}"/>
               </a:ext>
             </a:extLst>
           </p:cNvPr>
@@ -1808,7 +1808,7 @@
           <a:bodyPr/>
           <a:lstStyle/>
           <a:p>
-            <a:fld id="{0A876597-E94D-4CCB-9680-6CB598E24AC3}" type="datetimeFigureOut">
+            <a:fld id="{980DD71E-F2F2-4805-8AD3-EF99EBAF539F}" type="datetimeFigureOut">
               <a:rPr lang="zh-CN" altLang="en-US" smtClean="0"/>
               <a:t>2024/3/10</a:t>
             </a:fld>
@@ -1821,7 +1821,7 @@
           <p:cNvPr id="8" name="页脚占位符 7">
             <a:extLst>
               <a:ext uri="{FF2B5EF4-FFF2-40B4-BE49-F238E27FC236}">
-                <a16:creationId xmlns:a16="http://schemas.microsoft.com/office/drawing/2014/main" id="{CCDFB878-28BC-B977-0A1D-3E001D7C006B}"/>
+                <a16:creationId xmlns:a16="http://schemas.microsoft.com/office/drawing/2014/main" id="{BFD6D408-A879-EED1-B643-84D096CE0B93}"/>
               </a:ext>
             </a:extLst>
           </p:cNvPr>
@@ -1846,7 +1846,7 @@
           <p:cNvPr id="9" name="灯片编号占位符 8">
             <a:extLst>
               <a:ext uri="{FF2B5EF4-FFF2-40B4-BE49-F238E27FC236}">
-                <a16:creationId xmlns:a16="http://schemas.microsoft.com/office/drawing/2014/main" id="{9055210E-2649-D105-4375-608A1B60AC98}"/>
+                <a16:creationId xmlns:a16="http://schemas.microsoft.com/office/drawing/2014/main" id="{08C6AD23-72E3-BADF-A1D7-D079ED2369F3}"/>
               </a:ext>
             </a:extLst>
           </p:cNvPr>
@@ -1862,7 +1862,7 @@
           <a:bodyPr/>
           <a:lstStyle/>
           <a:p>
-            <a:fld id="{5EA7AFD6-029E-4769-A58E-6FD44381416C}" type="slidenum">
+            <a:fld id="{E5CF9438-6D74-4320-A240-32339107121C}" type="slidenum">
               <a:rPr lang="zh-CN" altLang="en-US" smtClean="0"/>
               <a:t>‹#›</a:t>
             </a:fld>
@@ -1873,7 +1873,7 @@
     </p:spTree>
     <p:extLst>
       <p:ext uri="{BB962C8B-B14F-4D97-AF65-F5344CB8AC3E}">
-        <p14:creationId xmlns:p14="http://schemas.microsoft.com/office/powerpoint/2010/main" val="1590630745"/>
+        <p14:creationId xmlns:p14="http://schemas.microsoft.com/office/powerpoint/2010/main" val="3480996013"/>
       </p:ext>
     </p:extLst>
   </p:cSld>
@@ -1905,7 +1905,7 @@
           <p:cNvPr id="2" name="标题 1">
             <a:extLst>
               <a:ext uri="{FF2B5EF4-FFF2-40B4-BE49-F238E27FC236}">
-                <a16:creationId xmlns:a16="http://schemas.microsoft.com/office/drawing/2014/main" id="{F7821A66-77DD-DEB9-A4C7-A09AB485EF00}"/>
+                <a16:creationId xmlns:a16="http://schemas.microsoft.com/office/drawing/2014/main" id="{65E4EE17-B061-5406-D062-8951D1DCEEAC}"/>
               </a:ext>
             </a:extLst>
           </p:cNvPr>
@@ -1933,7 +1933,7 @@
           <p:cNvPr id="3" name="日期占位符 2">
             <a:extLst>
               <a:ext uri="{FF2B5EF4-FFF2-40B4-BE49-F238E27FC236}">
-                <a16:creationId xmlns:a16="http://schemas.microsoft.com/office/drawing/2014/main" id="{56292141-638C-8F84-E570-C13A6976C1CA}"/>
+                <a16:creationId xmlns:a16="http://schemas.microsoft.com/office/drawing/2014/main" id="{12170718-A082-3EE8-4C53-B58A0554513B}"/>
               </a:ext>
             </a:extLst>
           </p:cNvPr>
@@ -1949,7 +1949,7 @@
           <a:bodyPr/>
           <a:lstStyle/>
           <a:p>
-            <a:fld id="{0A876597-E94D-4CCB-9680-6CB598E24AC3}" type="datetimeFigureOut">
+            <a:fld id="{980DD71E-F2F2-4805-8AD3-EF99EBAF539F}" type="datetimeFigureOut">
               <a:rPr lang="zh-CN" altLang="en-US" smtClean="0"/>
               <a:t>2024/3/10</a:t>
             </a:fld>
@@ -1962,7 +1962,7 @@
           <p:cNvPr id="4" name="页脚占位符 3">
             <a:extLst>
               <a:ext uri="{FF2B5EF4-FFF2-40B4-BE49-F238E27FC236}">
-                <a16:creationId xmlns:a16="http://schemas.microsoft.com/office/drawing/2014/main" id="{3001B7C5-A77E-4DA0-8518-C89AB9A98832}"/>
+                <a16:creationId xmlns:a16="http://schemas.microsoft.com/office/drawing/2014/main" id="{ACCA5D7B-AD72-AB19-ADFD-C7F9CBD4F963}"/>
               </a:ext>
             </a:extLst>
           </p:cNvPr>
@@ -1987,7 +1987,7 @@
           <p:cNvPr id="5" name="灯片编号占位符 4">
             <a:extLst>
               <a:ext uri="{FF2B5EF4-FFF2-40B4-BE49-F238E27FC236}">
-                <a16:creationId xmlns:a16="http://schemas.microsoft.com/office/drawing/2014/main" id="{D099B0FA-BA86-54C6-D181-7776FAA02CBA}"/>
+                <a16:creationId xmlns:a16="http://schemas.microsoft.com/office/drawing/2014/main" id="{3278857D-E902-828E-C66C-C6E55557C82C}"/>
               </a:ext>
             </a:extLst>
           </p:cNvPr>
@@ -2003,7 +2003,7 @@
           <a:bodyPr/>
           <a:lstStyle/>
           <a:p>
-            <a:fld id="{5EA7AFD6-029E-4769-A58E-6FD44381416C}" type="slidenum">
+            <a:fld id="{E5CF9438-6D74-4320-A240-32339107121C}" type="slidenum">
               <a:rPr lang="zh-CN" altLang="en-US" smtClean="0"/>
               <a:t>‹#›</a:t>
             </a:fld>
@@ -2014,7 +2014,7 @@
     </p:spTree>
     <p:extLst>
       <p:ext uri="{BB962C8B-B14F-4D97-AF65-F5344CB8AC3E}">
-        <p14:creationId xmlns:p14="http://schemas.microsoft.com/office/powerpoint/2010/main" val="177284242"/>
+        <p14:creationId xmlns:p14="http://schemas.microsoft.com/office/powerpoint/2010/main" val="1744293202"/>
       </p:ext>
     </p:extLst>
   </p:cSld>
@@ -2046,7 +2046,7 @@
           <p:cNvPr id="2" name="日期占位符 1">
             <a:extLst>
               <a:ext uri="{FF2B5EF4-FFF2-40B4-BE49-F238E27FC236}">
-                <a16:creationId xmlns:a16="http://schemas.microsoft.com/office/drawing/2014/main" id="{B548648A-E93F-FB1C-9B33-0671E64E74CA}"/>
+                <a16:creationId xmlns:a16="http://schemas.microsoft.com/office/drawing/2014/main" id="{5E722907-847D-46C4-1218-A89BE4FD0290}"/>
               </a:ext>
             </a:extLst>
           </p:cNvPr>
@@ -2062,7 +2062,7 @@
           <a:bodyPr/>
           <a:lstStyle/>
           <a:p>
-            <a:fld id="{0A876597-E94D-4CCB-9680-6CB598E24AC3}" type="datetimeFigureOut">
+            <a:fld id="{980DD71E-F2F2-4805-8AD3-EF99EBAF539F}" type="datetimeFigureOut">
               <a:rPr lang="zh-CN" altLang="en-US" smtClean="0"/>
               <a:t>2024/3/10</a:t>
             </a:fld>
@@ -2075,7 +2075,7 @@
           <p:cNvPr id="3" name="页脚占位符 2">
             <a:extLst>
               <a:ext uri="{FF2B5EF4-FFF2-40B4-BE49-F238E27FC236}">
-                <a16:creationId xmlns:a16="http://schemas.microsoft.com/office/drawing/2014/main" id="{1A6350BE-F99A-234B-2A3E-10FA8C7B031F}"/>
+                <a16:creationId xmlns:a16="http://schemas.microsoft.com/office/drawing/2014/main" id="{58DF9DF9-10B3-66CC-1682-B255CEC696A0}"/>
               </a:ext>
             </a:extLst>
           </p:cNvPr>
@@ -2100,7 +2100,7 @@
           <p:cNvPr id="4" name="灯片编号占位符 3">
             <a:extLst>
               <a:ext uri="{FF2B5EF4-FFF2-40B4-BE49-F238E27FC236}">
-                <a16:creationId xmlns:a16="http://schemas.microsoft.com/office/drawing/2014/main" id="{F9C7FAE1-D7CA-751F-54CB-ACCA5626CA8C}"/>
+                <a16:creationId xmlns:a16="http://schemas.microsoft.com/office/drawing/2014/main" id="{05C2F71F-9190-9B77-4772-0ACE733AB666}"/>
               </a:ext>
             </a:extLst>
           </p:cNvPr>
@@ -2116,7 +2116,7 @@
           <a:bodyPr/>
           <a:lstStyle/>
           <a:p>
-            <a:fld id="{5EA7AFD6-029E-4769-A58E-6FD44381416C}" type="slidenum">
+            <a:fld id="{E5CF9438-6D74-4320-A240-32339107121C}" type="slidenum">
               <a:rPr lang="zh-CN" altLang="en-US" smtClean="0"/>
               <a:t>‹#›</a:t>
             </a:fld>
@@ -2127,7 +2127,7 @@
     </p:spTree>
     <p:extLst>
       <p:ext uri="{BB962C8B-B14F-4D97-AF65-F5344CB8AC3E}">
-        <p14:creationId xmlns:p14="http://schemas.microsoft.com/office/powerpoint/2010/main" val="2316838324"/>
+        <p14:creationId xmlns:p14="http://schemas.microsoft.com/office/powerpoint/2010/main" val="1361664934"/>
       </p:ext>
     </p:extLst>
   </p:cSld>
@@ -2159,7 +2159,7 @@
           <p:cNvPr id="2" name="标题 1">
             <a:extLst>
               <a:ext uri="{FF2B5EF4-FFF2-40B4-BE49-F238E27FC236}">
-                <a16:creationId xmlns:a16="http://schemas.microsoft.com/office/drawing/2014/main" id="{05426EDB-2D62-3AC0-A3C0-3C3C57B2E69E}"/>
+                <a16:creationId xmlns:a16="http://schemas.microsoft.com/office/drawing/2014/main" id="{6B7C5201-4175-8F05-D8ED-BA3138664C90}"/>
               </a:ext>
             </a:extLst>
           </p:cNvPr>
@@ -2196,7 +2196,7 @@
           <p:cNvPr id="3" name="内容占位符 2">
             <a:extLst>
               <a:ext uri="{FF2B5EF4-FFF2-40B4-BE49-F238E27FC236}">
-                <a16:creationId xmlns:a16="http://schemas.microsoft.com/office/drawing/2014/main" id="{7638BE10-5249-7D64-BE69-ACB69A1A9AF4}"/>
+                <a16:creationId xmlns:a16="http://schemas.microsoft.com/office/drawing/2014/main" id="{A817AFC6-1ECD-3839-7342-C786C800ABB8}"/>
               </a:ext>
             </a:extLst>
           </p:cNvPr>
@@ -2286,7 +2286,7 @@
           <p:cNvPr id="4" name="文本占位符 3">
             <a:extLst>
               <a:ext uri="{FF2B5EF4-FFF2-40B4-BE49-F238E27FC236}">
-                <a16:creationId xmlns:a16="http://schemas.microsoft.com/office/drawing/2014/main" id="{C608B0AD-FAF2-2DFD-5E63-3B0B36E73C3C}"/>
+                <a16:creationId xmlns:a16="http://schemas.microsoft.com/office/drawing/2014/main" id="{E3246F92-B762-D250-E841-AE5FCDB30676}"/>
               </a:ext>
             </a:extLst>
           </p:cNvPr>
@@ -2357,7 +2357,7 @@
           <p:cNvPr id="5" name="日期占位符 4">
             <a:extLst>
               <a:ext uri="{FF2B5EF4-FFF2-40B4-BE49-F238E27FC236}">
-                <a16:creationId xmlns:a16="http://schemas.microsoft.com/office/drawing/2014/main" id="{7AAFD897-3271-9839-B1E5-03B870C7ADF0}"/>
+                <a16:creationId xmlns:a16="http://schemas.microsoft.com/office/drawing/2014/main" id="{4CAD3705-2772-2989-2EFF-098A88B5C450}"/>
               </a:ext>
             </a:extLst>
           </p:cNvPr>
@@ -2373,7 +2373,7 @@
           <a:bodyPr/>
           <a:lstStyle/>
           <a:p>
-            <a:fld id="{0A876597-E94D-4CCB-9680-6CB598E24AC3}" type="datetimeFigureOut">
+            <a:fld id="{980DD71E-F2F2-4805-8AD3-EF99EBAF539F}" type="datetimeFigureOut">
               <a:rPr lang="zh-CN" altLang="en-US" smtClean="0"/>
               <a:t>2024/3/10</a:t>
             </a:fld>
@@ -2386,7 +2386,7 @@
           <p:cNvPr id="6" name="页脚占位符 5">
             <a:extLst>
               <a:ext uri="{FF2B5EF4-FFF2-40B4-BE49-F238E27FC236}">
-                <a16:creationId xmlns:a16="http://schemas.microsoft.com/office/drawing/2014/main" id="{CB0B3B40-F7F6-24DF-DB5B-6049BE815889}"/>
+                <a16:creationId xmlns:a16="http://schemas.microsoft.com/office/drawing/2014/main" id="{58F573A8-A1D1-F388-0F09-2135500E7A94}"/>
               </a:ext>
             </a:extLst>
           </p:cNvPr>
@@ -2411,7 +2411,7 @@
           <p:cNvPr id="7" name="灯片编号占位符 6">
             <a:extLst>
               <a:ext uri="{FF2B5EF4-FFF2-40B4-BE49-F238E27FC236}">
-                <a16:creationId xmlns:a16="http://schemas.microsoft.com/office/drawing/2014/main" id="{0784A41E-E648-1F76-D69E-7C4FAB20AF7E}"/>
+                <a16:creationId xmlns:a16="http://schemas.microsoft.com/office/drawing/2014/main" id="{100D4F50-196D-04BD-1271-0745F2F1AAE4}"/>
               </a:ext>
             </a:extLst>
           </p:cNvPr>
@@ -2427,7 +2427,7 @@
           <a:bodyPr/>
           <a:lstStyle/>
           <a:p>
-            <a:fld id="{5EA7AFD6-029E-4769-A58E-6FD44381416C}" type="slidenum">
+            <a:fld id="{E5CF9438-6D74-4320-A240-32339107121C}" type="slidenum">
               <a:rPr lang="zh-CN" altLang="en-US" smtClean="0"/>
               <a:t>‹#›</a:t>
             </a:fld>
@@ -2438,7 +2438,7 @@
     </p:spTree>
     <p:extLst>
       <p:ext uri="{BB962C8B-B14F-4D97-AF65-F5344CB8AC3E}">
-        <p14:creationId xmlns:p14="http://schemas.microsoft.com/office/powerpoint/2010/main" val="2193881931"/>
+        <p14:creationId xmlns:p14="http://schemas.microsoft.com/office/powerpoint/2010/main" val="1623507771"/>
       </p:ext>
     </p:extLst>
   </p:cSld>
@@ -2470,7 +2470,7 @@
           <p:cNvPr id="2" name="标题 1">
             <a:extLst>
               <a:ext uri="{FF2B5EF4-FFF2-40B4-BE49-F238E27FC236}">
-                <a16:creationId xmlns:a16="http://schemas.microsoft.com/office/drawing/2014/main" id="{6847FEDB-55D5-B5C4-677A-BBB0A020BB61}"/>
+                <a16:creationId xmlns:a16="http://schemas.microsoft.com/office/drawing/2014/main" id="{65676E73-A8C3-75D1-514C-20A1938D3CF1}"/>
               </a:ext>
             </a:extLst>
           </p:cNvPr>
@@ -2507,7 +2507,7 @@
           <p:cNvPr id="3" name="图片占位符 2">
             <a:extLst>
               <a:ext uri="{FF2B5EF4-FFF2-40B4-BE49-F238E27FC236}">
-                <a16:creationId xmlns:a16="http://schemas.microsoft.com/office/drawing/2014/main" id="{F85245CD-45DF-C2EA-B8F3-44C64F2BF3D5}"/>
+                <a16:creationId xmlns:a16="http://schemas.microsoft.com/office/drawing/2014/main" id="{439918E4-147A-BE7C-E201-FB20A7FEB667}"/>
               </a:ext>
             </a:extLst>
           </p:cNvPr>
@@ -2574,7 +2574,7 @@
           <p:cNvPr id="4" name="文本占位符 3">
             <a:extLst>
               <a:ext uri="{FF2B5EF4-FFF2-40B4-BE49-F238E27FC236}">
-                <a16:creationId xmlns:a16="http://schemas.microsoft.com/office/drawing/2014/main" id="{4998A8E1-6505-2C5C-2DB0-64E8477FFBEE}"/>
+                <a16:creationId xmlns:a16="http://schemas.microsoft.com/office/drawing/2014/main" id="{AF6DA3F5-8F71-F9E6-DC4D-FE39FC40F784}"/>
               </a:ext>
             </a:extLst>
           </p:cNvPr>
@@ -2645,7 +2645,7 @@
           <p:cNvPr id="5" name="日期占位符 4">
             <a:extLst>
               <a:ext uri="{FF2B5EF4-FFF2-40B4-BE49-F238E27FC236}">
-                <a16:creationId xmlns:a16="http://schemas.microsoft.com/office/drawing/2014/main" id="{01D63064-EFC4-9669-EA1C-84B8902F7CBC}"/>
+                <a16:creationId xmlns:a16="http://schemas.microsoft.com/office/drawing/2014/main" id="{E9AB383D-B618-3AFB-CDCE-FEE85A5E68AE}"/>
               </a:ext>
             </a:extLst>
           </p:cNvPr>
@@ -2661,7 +2661,7 @@
           <a:bodyPr/>
           <a:lstStyle/>
           <a:p>
-            <a:fld id="{0A876597-E94D-4CCB-9680-6CB598E24AC3}" type="datetimeFigureOut">
+            <a:fld id="{980DD71E-F2F2-4805-8AD3-EF99EBAF539F}" type="datetimeFigureOut">
               <a:rPr lang="zh-CN" altLang="en-US" smtClean="0"/>
               <a:t>2024/3/10</a:t>
             </a:fld>
@@ -2674,7 +2674,7 @@
           <p:cNvPr id="6" name="页脚占位符 5">
             <a:extLst>
               <a:ext uri="{FF2B5EF4-FFF2-40B4-BE49-F238E27FC236}">
-                <a16:creationId xmlns:a16="http://schemas.microsoft.com/office/drawing/2014/main" id="{27630EE1-C534-1DED-13B8-F8ABF9C23DF0}"/>
+                <a16:creationId xmlns:a16="http://schemas.microsoft.com/office/drawing/2014/main" id="{818D9B9D-4871-6EDA-699F-8F0E3651EBAA}"/>
               </a:ext>
             </a:extLst>
           </p:cNvPr>
@@ -2699,7 +2699,7 @@
           <p:cNvPr id="7" name="灯片编号占位符 6">
             <a:extLst>
               <a:ext uri="{FF2B5EF4-FFF2-40B4-BE49-F238E27FC236}">
-                <a16:creationId xmlns:a16="http://schemas.microsoft.com/office/drawing/2014/main" id="{61642FF5-B19E-E322-5850-1F99C032CCAD}"/>
+                <a16:creationId xmlns:a16="http://schemas.microsoft.com/office/drawing/2014/main" id="{8A0C58E0-AB16-AA40-E3E7-6E07625DF9C4}"/>
               </a:ext>
             </a:extLst>
           </p:cNvPr>
@@ -2715,7 +2715,7 @@
           <a:bodyPr/>
           <a:lstStyle/>
           <a:p>
-            <a:fld id="{5EA7AFD6-029E-4769-A58E-6FD44381416C}" type="slidenum">
+            <a:fld id="{E5CF9438-6D74-4320-A240-32339107121C}" type="slidenum">
               <a:rPr lang="zh-CN" altLang="en-US" smtClean="0"/>
               <a:t>‹#›</a:t>
             </a:fld>
@@ -2726,7 +2726,7 @@
     </p:spTree>
     <p:extLst>
       <p:ext uri="{BB962C8B-B14F-4D97-AF65-F5344CB8AC3E}">
-        <p14:creationId xmlns:p14="http://schemas.microsoft.com/office/powerpoint/2010/main" val="1774785846"/>
+        <p14:creationId xmlns:p14="http://schemas.microsoft.com/office/powerpoint/2010/main" val="1473018008"/>
       </p:ext>
     </p:extLst>
   </p:cSld>
@@ -2763,7 +2763,7 @@
           <p:cNvPr id="2" name="标题占位符 1">
             <a:extLst>
               <a:ext uri="{FF2B5EF4-FFF2-40B4-BE49-F238E27FC236}">
-                <a16:creationId xmlns:a16="http://schemas.microsoft.com/office/drawing/2014/main" id="{94C54597-9AA5-E3A6-7B85-4745084A1D2B}"/>
+                <a16:creationId xmlns:a16="http://schemas.microsoft.com/office/drawing/2014/main" id="{A0EDF246-0C24-AC5D-3935-6656673F8BAE}"/>
               </a:ext>
             </a:extLst>
           </p:cNvPr>
@@ -2801,7 +2801,7 @@
           <p:cNvPr id="3" name="文本占位符 2">
             <a:extLst>
               <a:ext uri="{FF2B5EF4-FFF2-40B4-BE49-F238E27FC236}">
-                <a16:creationId xmlns:a16="http://schemas.microsoft.com/office/drawing/2014/main" id="{B19BDE44-01CA-86BA-1E81-497F4BC6FF30}"/>
+                <a16:creationId xmlns:a16="http://schemas.microsoft.com/office/drawing/2014/main" id="{2B1FCF80-26AE-F7AB-1B7D-C872D70A5074}"/>
               </a:ext>
             </a:extLst>
           </p:cNvPr>
@@ -2868,7 +2868,7 @@
           <p:cNvPr id="4" name="日期占位符 3">
             <a:extLst>
               <a:ext uri="{FF2B5EF4-FFF2-40B4-BE49-F238E27FC236}">
-                <a16:creationId xmlns:a16="http://schemas.microsoft.com/office/drawing/2014/main" id="{F32B4A03-CEB5-E00F-6C89-417A18EB6198}"/>
+                <a16:creationId xmlns:a16="http://schemas.microsoft.com/office/drawing/2014/main" id="{29939167-F1CC-ECD0-BCA5-8E34CA599DA8}"/>
               </a:ext>
             </a:extLst>
           </p:cNvPr>
@@ -2902,7 +2902,7 @@
             </a:lvl1pPr>
           </a:lstStyle>
           <a:p>
-            <a:fld id="{0A876597-E94D-4CCB-9680-6CB598E24AC3}" type="datetimeFigureOut">
+            <a:fld id="{980DD71E-F2F2-4805-8AD3-EF99EBAF539F}" type="datetimeFigureOut">
               <a:rPr lang="zh-CN" altLang="en-US" smtClean="0"/>
               <a:t>2024/3/10</a:t>
             </a:fld>
@@ -2915,7 +2915,7 @@
           <p:cNvPr id="5" name="页脚占位符 4">
             <a:extLst>
               <a:ext uri="{FF2B5EF4-FFF2-40B4-BE49-F238E27FC236}">
-                <a16:creationId xmlns:a16="http://schemas.microsoft.com/office/drawing/2014/main" id="{BDD5DE57-65FF-9E3D-596C-0D40263FAC85}"/>
+                <a16:creationId xmlns:a16="http://schemas.microsoft.com/office/drawing/2014/main" id="{9C4BFF38-FDE5-DDE6-E549-59330CCF1DDF}"/>
               </a:ext>
             </a:extLst>
           </p:cNvPr>
@@ -2958,7 +2958,7 @@
           <p:cNvPr id="6" name="灯片编号占位符 5">
             <a:extLst>
               <a:ext uri="{FF2B5EF4-FFF2-40B4-BE49-F238E27FC236}">
-                <a16:creationId xmlns:a16="http://schemas.microsoft.com/office/drawing/2014/main" id="{2C2211A6-CE48-CD3A-9617-A2A7F93B6A16}"/>
+                <a16:creationId xmlns:a16="http://schemas.microsoft.com/office/drawing/2014/main" id="{D4956488-5A5E-7249-6817-9E23D7D32C70}"/>
               </a:ext>
             </a:extLst>
           </p:cNvPr>
@@ -2992,7 +2992,7 @@
             </a:lvl1pPr>
           </a:lstStyle>
           <a:p>
-            <a:fld id="{5EA7AFD6-029E-4769-A58E-6FD44381416C}" type="slidenum">
+            <a:fld id="{E5CF9438-6D74-4320-A240-32339107121C}" type="slidenum">
               <a:rPr lang="zh-CN" altLang="en-US" smtClean="0"/>
               <a:t>‹#›</a:t>
             </a:fld>
@@ -3003,7 +3003,7 @@
     </p:spTree>
     <p:extLst>
       <p:ext uri="{BB962C8B-B14F-4D97-AF65-F5344CB8AC3E}">
-        <p14:creationId xmlns:p14="http://schemas.microsoft.com/office/powerpoint/2010/main" val="118972375"/>
+        <p14:creationId xmlns:p14="http://schemas.microsoft.com/office/powerpoint/2010/main" val="3447142142"/>
       </p:ext>
     </p:extLst>
   </p:cSld>
